--- a/ppt/2019_nCoV_analysis.pptx
+++ b/ppt/2019_nCoV_analysis.pptx
@@ -36570,13 +36570,14 @@
               <a:t>月</a:t>
             </a:r>
             <a:r>
-              <a:rPr lang="en-US" altLang="zh-CN" sz="1600" dirty="0"/>
-              <a:t>14</a:t>
+              <a:rPr lang="en-US" altLang="zh-CN" sz="1600"/>
+              <a:t>21</a:t>
             </a:r>
             <a:r>
-              <a:rPr lang="zh-CN" altLang="en-US" sz="1600" dirty="0"/>
+              <a:rPr lang="zh-CN" altLang="en-US" sz="1600"/>
               <a:t>日</a:t>
             </a:r>
+            <a:endParaRPr lang="zh-CN" altLang="en-US" sz="1600" dirty="0"/>
           </a:p>
         </p:txBody>
       </p:sp>

--- a/ppt/2019_nCoV_analysis.pptx
+++ b/ppt/2019_nCoV_analysis.pptx
@@ -35332,7 +35332,7 @@
           <a:p>
             <a:fld id="{62F0DDE3-A256-480B-9BAB-14F3D401BCAE}" type="datetimeFigureOut">
               <a:rPr lang="zh-CN" altLang="en-US" smtClean="0"/>
-              <a:t>2020/2/21</a:t>
+              <a:t>2020/2/25</a:t>
             </a:fld>
             <a:endParaRPr lang="zh-CN" altLang="en-US"/>
           </a:p>
@@ -36725,7 +36725,7 @@
         <p:spPr>
           <a:xfrm>
             <a:off x="720572" y="723616"/>
-            <a:ext cx="10750856" cy="5733790"/>
+            <a:ext cx="10750856" cy="5733789"/>
           </a:xfrm>
           <a:prstGeom prst="rect">
             <a:avLst/>
@@ -36875,8 +36875,8 @@
         </p:blipFill>
         <p:spPr>
           <a:xfrm>
-            <a:off x="720572" y="723616"/>
-            <a:ext cx="10750856" cy="5733789"/>
+            <a:off x="720573" y="723616"/>
+            <a:ext cx="10750854" cy="5733789"/>
           </a:xfrm>
           <a:prstGeom prst="rect">
             <a:avLst/>
@@ -39525,8 +39525,8 @@
         </p:blipFill>
         <p:spPr>
           <a:xfrm>
-            <a:off x="720571" y="723616"/>
-            <a:ext cx="10750858" cy="5733790"/>
+            <a:off x="720572" y="723616"/>
+            <a:ext cx="10750856" cy="5733790"/>
           </a:xfrm>
           <a:prstGeom prst="rect">
             <a:avLst/>
